--- a/Docs/PPTs/WSU_UF_NFSCPS_GroupMeeting_SlideDeck.pptx
+++ b/Docs/PPTs/WSU_UF_NFSCPS_GroupMeeting_SlideDeck.pptx
@@ -221,7 +221,7 @@
           <a:p>
             <a:fld id="{A2F1B1B2-338D-4519-AE47-05D743294B25}" type="datetimeFigureOut">
               <a:rPr lang="en-US" smtClean="0"/>
-              <a:t>9/12/2023</a:t>
+              <a:t>9/15/2023</a:t>
             </a:fld>
             <a:endParaRPr lang="en-US"/>
           </a:p>
@@ -635,7 +635,7 @@
           <a:p>
             <a:fld id="{B1A858B9-89BB-4AEE-91EB-EE01B5663C5B}" type="datetime1">
               <a:rPr lang="en-US" smtClean="0"/>
-              <a:t>9/12/2023</a:t>
+              <a:t>9/15/2023</a:t>
             </a:fld>
             <a:endParaRPr lang="en-US"/>
           </a:p>
@@ -833,7 +833,7 @@
           <a:p>
             <a:fld id="{FD45B170-B2CD-4267-93DB-9E7A7D686686}" type="datetime1">
               <a:rPr lang="en-US" smtClean="0"/>
-              <a:t>9/12/2023</a:t>
+              <a:t>9/15/2023</a:t>
             </a:fld>
             <a:endParaRPr lang="en-US"/>
           </a:p>
@@ -1041,7 +1041,7 @@
           <a:p>
             <a:fld id="{9C03DCEC-1B40-4998-A2D1-90F4D2686771}" type="datetime1">
               <a:rPr lang="en-US" smtClean="0"/>
-              <a:t>9/12/2023</a:t>
+              <a:t>9/15/2023</a:t>
             </a:fld>
             <a:endParaRPr lang="en-US"/>
           </a:p>
@@ -1239,7 +1239,7 @@
           <a:p>
             <a:fld id="{A89F6699-5BEF-4896-85EE-74677173AE61}" type="datetime1">
               <a:rPr lang="en-US" smtClean="0"/>
-              <a:t>9/12/2023</a:t>
+              <a:t>9/15/2023</a:t>
             </a:fld>
             <a:endParaRPr lang="en-US"/>
           </a:p>
@@ -1514,7 +1514,7 @@
           <a:p>
             <a:fld id="{C2D627B6-7156-404E-BABF-895127D4C1A9}" type="datetime1">
               <a:rPr lang="en-US" smtClean="0"/>
-              <a:t>9/12/2023</a:t>
+              <a:t>9/15/2023</a:t>
             </a:fld>
             <a:endParaRPr lang="en-US"/>
           </a:p>
@@ -1779,7 +1779,7 @@
           <a:p>
             <a:fld id="{095398F5-3272-4981-828B-395EB19D2F90}" type="datetime1">
               <a:rPr lang="en-US" smtClean="0"/>
-              <a:t>9/12/2023</a:t>
+              <a:t>9/15/2023</a:t>
             </a:fld>
             <a:endParaRPr lang="en-US"/>
           </a:p>
@@ -2191,7 +2191,7 @@
           <a:p>
             <a:fld id="{4543A9A8-B9A8-4082-9127-4E93AD3DFAF2}" type="datetime1">
               <a:rPr lang="en-US" smtClean="0"/>
-              <a:t>9/12/2023</a:t>
+              <a:t>9/15/2023</a:t>
             </a:fld>
             <a:endParaRPr lang="en-US"/>
           </a:p>
@@ -2332,7 +2332,7 @@
           <a:p>
             <a:fld id="{E9D2B886-0F08-4895-9EF2-614F4DD14610}" type="datetime1">
               <a:rPr lang="en-US" smtClean="0"/>
-              <a:t>9/12/2023</a:t>
+              <a:t>9/15/2023</a:t>
             </a:fld>
             <a:endParaRPr lang="en-US"/>
           </a:p>
@@ -2445,7 +2445,7 @@
           <a:p>
             <a:fld id="{99196715-4EE5-432E-965D-07F0D9749ED8}" type="datetime1">
               <a:rPr lang="en-US" smtClean="0"/>
-              <a:t>9/12/2023</a:t>
+              <a:t>9/15/2023</a:t>
             </a:fld>
             <a:endParaRPr lang="en-US"/>
           </a:p>
@@ -2756,7 +2756,7 @@
           <a:p>
             <a:fld id="{CBDECC62-F7E9-462B-97BB-B83B1328C7D8}" type="datetime1">
               <a:rPr lang="en-US" smtClean="0"/>
-              <a:t>9/12/2023</a:t>
+              <a:t>9/15/2023</a:t>
             </a:fld>
             <a:endParaRPr lang="en-US"/>
           </a:p>
@@ -3044,7 +3044,7 @@
           <a:p>
             <a:fld id="{8D6DC7DD-2A07-4C95-8867-C4D1C70FE372}" type="datetime1">
               <a:rPr lang="en-US" smtClean="0"/>
-              <a:t>9/12/2023</a:t>
+              <a:t>9/15/2023</a:t>
             </a:fld>
             <a:endParaRPr lang="en-US"/>
           </a:p>
@@ -3285,7 +3285,7 @@
           <a:p>
             <a:fld id="{D2E978A4-5ACE-4B30-BABB-95072D253F46}" type="datetime1">
               <a:rPr lang="en-US" smtClean="0"/>
-              <a:t>9/12/2023</a:t>
+              <a:t>9/15/2023</a:t>
             </a:fld>
             <a:endParaRPr lang="en-US"/>
           </a:p>
@@ -5539,7 +5539,7 @@
         <p:spPr>
           <a:xfrm>
             <a:off x="6306106" y="1556265"/>
-            <a:ext cx="5476718" cy="1754326"/>
+            <a:ext cx="5476718" cy="3970318"/>
           </a:xfrm>
           <a:prstGeom prst="rect">
             <a:avLst/>
@@ -5558,7 +5558,7 @@
             </a:pPr>
             <a:r>
               <a:rPr lang="en-US" dirty="0"/>
-              <a:t>Development of buildings internal load forecast models</a:t>
+              <a:t>Development of the building’s internal load forecast models</a:t>
             </a:r>
           </a:p>
           <a:p>
@@ -5568,7 +5568,7 @@
             </a:pPr>
             <a:r>
               <a:rPr lang="en-US" dirty="0"/>
-              <a:t>Work is in progress</a:t>
+              <a:t>Pecan Street data analysis done. The use of appliances is highly uncorrelated, hence not interesting for prediction.</a:t>
             </a:r>
           </a:p>
           <a:p>
@@ -5578,7 +5578,7 @@
             </a:pPr>
             <a:r>
               <a:rPr lang="en-US" dirty="0"/>
-              <a:t>Development of Intelligent (RL) controllers for single building control</a:t>
+              <a:t>Development of Intelligent (RL) controllers for single-building control</a:t>
             </a:r>
           </a:p>
           <a:p>
@@ -5588,7 +5588,37 @@
             </a:pPr>
             <a:r>
               <a:rPr lang="en-US" dirty="0"/>
-              <a:t>Work is in progress</a:t>
+              <a:t>Dynamical system model with temporal logic constraints.</a:t>
+            </a:r>
+          </a:p>
+          <a:p>
+            <a:pPr marL="800100" lvl="1" indent="-342900">
+              <a:buFont typeface="+mj-lt"/>
+              <a:buAutoNum type="arabicPeriod"/>
+            </a:pPr>
+            <a:r>
+              <a:rPr lang="en-US" dirty="0"/>
+              <a:t>Can be tested on any dynamical system.</a:t>
+            </a:r>
+          </a:p>
+          <a:p>
+            <a:pPr marL="800100" lvl="1" indent="-342900">
+              <a:buFont typeface="+mj-lt"/>
+              <a:buAutoNum type="arabicPeriod"/>
+            </a:pPr>
+            <a:r>
+              <a:rPr lang="en-US" dirty="0"/>
+              <a:t>Off-grid house model – RL with Temporal Logic constraints, including safety constraints.</a:t>
+            </a:r>
+          </a:p>
+          <a:p>
+            <a:pPr marL="800100" lvl="1" indent="-342900">
+              <a:buFont typeface="+mj-lt"/>
+              <a:buAutoNum type="arabicPeriod"/>
+            </a:pPr>
+            <a:r>
+              <a:rPr lang="en-US" dirty="0"/>
+              <a:t>Start from the off-grid model and then proceed to grid-connected model flexibility provisioning.</a:t>
             </a:r>
           </a:p>
         </p:txBody>

--- a/Docs/PPTs/WSU_UF_NFSCPS_GroupMeeting_SlideDeck.pptx
+++ b/Docs/PPTs/WSU_UF_NFSCPS_GroupMeeting_SlideDeck.pptx
@@ -5,7 +5,7 @@
     <p:sldMasterId id="2147483648" r:id="rId1"/>
   </p:sldMasterIdLst>
   <p:notesMasterIdLst>
-    <p:notesMasterId r:id="rId9"/>
+    <p:notesMasterId r:id="rId10"/>
   </p:notesMasterIdLst>
   <p:sldIdLst>
     <p:sldId id="300" r:id="rId2"/>
@@ -15,6 +15,7 @@
     <p:sldId id="825" r:id="rId6"/>
     <p:sldId id="826" r:id="rId7"/>
     <p:sldId id="827" r:id="rId8"/>
+    <p:sldId id="828" r:id="rId9"/>
   </p:sldIdLst>
   <p:sldSz cx="12192000" cy="6858000"/>
   <p:notesSz cx="6858000" cy="9144000"/>
@@ -221,7 +222,7 @@
           <a:p>
             <a:fld id="{A2F1B1B2-338D-4519-AE47-05D743294B25}" type="datetimeFigureOut">
               <a:rPr lang="en-US" smtClean="0"/>
-              <a:t>9/15/2023</a:t>
+              <a:t>11/10/2023</a:t>
             </a:fld>
             <a:endParaRPr lang="en-US"/>
           </a:p>
@@ -635,7 +636,7 @@
           <a:p>
             <a:fld id="{B1A858B9-89BB-4AEE-91EB-EE01B5663C5B}" type="datetime1">
               <a:rPr lang="en-US" smtClean="0"/>
-              <a:t>9/15/2023</a:t>
+              <a:t>11/10/2023</a:t>
             </a:fld>
             <a:endParaRPr lang="en-US"/>
           </a:p>
@@ -833,7 +834,7 @@
           <a:p>
             <a:fld id="{FD45B170-B2CD-4267-93DB-9E7A7D686686}" type="datetime1">
               <a:rPr lang="en-US" smtClean="0"/>
-              <a:t>9/15/2023</a:t>
+              <a:t>11/10/2023</a:t>
             </a:fld>
             <a:endParaRPr lang="en-US"/>
           </a:p>
@@ -1041,7 +1042,7 @@
           <a:p>
             <a:fld id="{9C03DCEC-1B40-4998-A2D1-90F4D2686771}" type="datetime1">
               <a:rPr lang="en-US" smtClean="0"/>
-              <a:t>9/15/2023</a:t>
+              <a:t>11/10/2023</a:t>
             </a:fld>
             <a:endParaRPr lang="en-US"/>
           </a:p>
@@ -1239,7 +1240,7 @@
           <a:p>
             <a:fld id="{A89F6699-5BEF-4896-85EE-74677173AE61}" type="datetime1">
               <a:rPr lang="en-US" smtClean="0"/>
-              <a:t>9/15/2023</a:t>
+              <a:t>11/10/2023</a:t>
             </a:fld>
             <a:endParaRPr lang="en-US"/>
           </a:p>
@@ -1514,7 +1515,7 @@
           <a:p>
             <a:fld id="{C2D627B6-7156-404E-BABF-895127D4C1A9}" type="datetime1">
               <a:rPr lang="en-US" smtClean="0"/>
-              <a:t>9/15/2023</a:t>
+              <a:t>11/10/2023</a:t>
             </a:fld>
             <a:endParaRPr lang="en-US"/>
           </a:p>
@@ -1779,7 +1780,7 @@
           <a:p>
             <a:fld id="{095398F5-3272-4981-828B-395EB19D2F90}" type="datetime1">
               <a:rPr lang="en-US" smtClean="0"/>
-              <a:t>9/15/2023</a:t>
+              <a:t>11/10/2023</a:t>
             </a:fld>
             <a:endParaRPr lang="en-US"/>
           </a:p>
@@ -2191,7 +2192,7 @@
           <a:p>
             <a:fld id="{4543A9A8-B9A8-4082-9127-4E93AD3DFAF2}" type="datetime1">
               <a:rPr lang="en-US" smtClean="0"/>
-              <a:t>9/15/2023</a:t>
+              <a:t>11/10/2023</a:t>
             </a:fld>
             <a:endParaRPr lang="en-US"/>
           </a:p>
@@ -2332,7 +2333,7 @@
           <a:p>
             <a:fld id="{E9D2B886-0F08-4895-9EF2-614F4DD14610}" type="datetime1">
               <a:rPr lang="en-US" smtClean="0"/>
-              <a:t>9/15/2023</a:t>
+              <a:t>11/10/2023</a:t>
             </a:fld>
             <a:endParaRPr lang="en-US"/>
           </a:p>
@@ -2445,7 +2446,7 @@
           <a:p>
             <a:fld id="{99196715-4EE5-432E-965D-07F0D9749ED8}" type="datetime1">
               <a:rPr lang="en-US" smtClean="0"/>
-              <a:t>9/15/2023</a:t>
+              <a:t>11/10/2023</a:t>
             </a:fld>
             <a:endParaRPr lang="en-US"/>
           </a:p>
@@ -2756,7 +2757,7 @@
           <a:p>
             <a:fld id="{CBDECC62-F7E9-462B-97BB-B83B1328C7D8}" type="datetime1">
               <a:rPr lang="en-US" smtClean="0"/>
-              <a:t>9/15/2023</a:t>
+              <a:t>11/10/2023</a:t>
             </a:fld>
             <a:endParaRPr lang="en-US"/>
           </a:p>
@@ -3044,7 +3045,7 @@
           <a:p>
             <a:fld id="{8D6DC7DD-2A07-4C95-8867-C4D1C70FE372}" type="datetime1">
               <a:rPr lang="en-US" smtClean="0"/>
-              <a:t>9/15/2023</a:t>
+              <a:t>11/10/2023</a:t>
             </a:fld>
             <a:endParaRPr lang="en-US"/>
           </a:p>
@@ -3285,7 +3286,7 @@
           <a:p>
             <a:fld id="{D2E978A4-5ACE-4B30-BABB-95072D253F46}" type="datetime1">
               <a:rPr lang="en-US" smtClean="0"/>
-              <a:t>9/15/2023</a:t>
+              <a:t>11/10/2023</a:t>
             </a:fld>
             <a:endParaRPr lang="en-US"/>
           </a:p>
@@ -6192,6 +6193,421 @@
     <p:extLst>
       <p:ext uri="{BB962C8B-B14F-4D97-AF65-F5344CB8AC3E}">
         <p14:creationId xmlns:p14="http://schemas.microsoft.com/office/powerpoint/2010/main" val="1809926540"/>
+      </p:ext>
+    </p:extLst>
+  </p:cSld>
+  <p:clrMapOvr>
+    <a:masterClrMapping/>
+  </p:clrMapOvr>
+</p:sld>
+</file>
+
+<file path=ppt/slides/slide8.xml><?xml version="1.0" encoding="utf-8"?>
+<p:sld xmlns:a="http://schemas.openxmlformats.org/drawingml/2006/main" xmlns:r="http://schemas.openxmlformats.org/officeDocument/2006/relationships" xmlns:p="http://schemas.openxmlformats.org/presentationml/2006/main">
+  <p:cSld>
+    <p:spTree>
+      <p:nvGrpSpPr>
+        <p:cNvPr id="1" name=""/>
+        <p:cNvGrpSpPr/>
+        <p:nvPr/>
+      </p:nvGrpSpPr>
+      <p:grpSpPr>
+        <a:xfrm>
+          <a:off x="0" y="0"/>
+          <a:ext cx="0" cy="0"/>
+          <a:chOff x="0" y="0"/>
+          <a:chExt cx="0" cy="0"/>
+        </a:xfrm>
+      </p:grpSpPr>
+      <p:sp>
+        <p:nvSpPr>
+          <p:cNvPr id="4" name="Slide Number Placeholder 3">
+            <a:extLst>
+              <a:ext uri="{FF2B5EF4-FFF2-40B4-BE49-F238E27FC236}">
+                <a16:creationId xmlns:a16="http://schemas.microsoft.com/office/drawing/2014/main" id="{AE50D378-6DF8-9240-AE6E-E3CB924B2846}"/>
+              </a:ext>
+            </a:extLst>
+          </p:cNvPr>
+          <p:cNvSpPr>
+            <a:spLocks noGrp="1"/>
+          </p:cNvSpPr>
+          <p:nvPr>
+            <p:ph type="sldNum" sz="quarter" idx="12"/>
+          </p:nvPr>
+        </p:nvSpPr>
+        <p:spPr/>
+        <p:txBody>
+          <a:bodyPr/>
+          <a:lstStyle/>
+          <a:p>
+            <a:fld id="{A0DF7A72-EC8A-4F0D-9678-0682F08EBC67}" type="slidenum">
+              <a:rPr lang="en-US" smtClean="0"/>
+              <a:t>8</a:t>
+            </a:fld>
+            <a:endParaRPr lang="en-US" dirty="0"/>
+          </a:p>
+        </p:txBody>
+      </p:sp>
+      <p:sp>
+        <p:nvSpPr>
+          <p:cNvPr id="7" name="Title 1">
+            <a:extLst>
+              <a:ext uri="{FF2B5EF4-FFF2-40B4-BE49-F238E27FC236}">
+                <a16:creationId xmlns:a16="http://schemas.microsoft.com/office/drawing/2014/main" id="{E3C4FF53-B793-7146-86E2-2937DDFB57C6}"/>
+              </a:ext>
+            </a:extLst>
+          </p:cNvPr>
+          <p:cNvSpPr>
+            <a:spLocks noGrp="1"/>
+          </p:cNvSpPr>
+          <p:nvPr/>
+        </p:nvSpPr>
+        <p:spPr>
+          <a:xfrm>
+            <a:off x="409178" y="170077"/>
+            <a:ext cx="11373644" cy="509905"/>
+          </a:xfrm>
+          <a:prstGeom prst="rect">
+            <a:avLst/>
+          </a:prstGeom>
+          <a:solidFill>
+            <a:schemeClr val="accent1"/>
+          </a:solidFill>
+        </p:spPr>
+        <p:txBody>
+          <a:bodyPr vert="horz" lIns="91440" tIns="45720" rIns="91440" bIns="45720" rtlCol="0" anchor="ctr">
+            <a:noAutofit/>
+          </a:bodyPr>
+          <a:lstStyle>
+            <a:lvl1pPr algn="l" defTabSz="914400" rtl="0" eaLnBrk="1" latinLnBrk="0" hangingPunct="1">
+              <a:lnSpc>
+                <a:spcPct val="90000"/>
+              </a:lnSpc>
+              <a:spcBef>
+                <a:spcPct val="0"/>
+              </a:spcBef>
+              <a:buNone/>
+              <a:defRPr sz="4400" kern="1200">
+                <a:solidFill>
+                  <a:schemeClr val="tx1"/>
+                </a:solidFill>
+                <a:latin typeface="+mj-lt"/>
+                <a:ea typeface="+mj-ea"/>
+                <a:cs typeface="+mj-cs"/>
+              </a:defRPr>
+            </a:lvl1pPr>
+          </a:lstStyle>
+          <a:p>
+            <a:pPr algn="ctr"/>
+            <a:r>
+              <a:rPr lang="en-US" sz="2800" b="1" dirty="0"/>
+              <a:t>Collaboration Progress</a:t>
+            </a:r>
+          </a:p>
+        </p:txBody>
+      </p:sp>
+      <p:sp>
+        <p:nvSpPr>
+          <p:cNvPr id="8" name="Title 1">
+            <a:extLst>
+              <a:ext uri="{FF2B5EF4-FFF2-40B4-BE49-F238E27FC236}">
+                <a16:creationId xmlns:a16="http://schemas.microsoft.com/office/drawing/2014/main" id="{BCDD1C48-BF9A-C7BD-47A3-F61AFFE69ABF}"/>
+              </a:ext>
+            </a:extLst>
+          </p:cNvPr>
+          <p:cNvSpPr>
+            <a:spLocks noGrp="1"/>
+          </p:cNvSpPr>
+          <p:nvPr/>
+        </p:nvSpPr>
+        <p:spPr>
+          <a:xfrm>
+            <a:off x="409178" y="929605"/>
+            <a:ext cx="5476718" cy="446501"/>
+          </a:xfrm>
+          <a:prstGeom prst="rect">
+            <a:avLst/>
+          </a:prstGeom>
+          <a:solidFill>
+            <a:schemeClr val="accent1"/>
+          </a:solidFill>
+        </p:spPr>
+        <p:txBody>
+          <a:bodyPr vert="horz" lIns="91440" tIns="45720" rIns="91440" bIns="45720" rtlCol="0" anchor="ctr">
+            <a:noAutofit/>
+          </a:bodyPr>
+          <a:lstStyle>
+            <a:lvl1pPr algn="l" defTabSz="914400" rtl="0" eaLnBrk="1" latinLnBrk="0" hangingPunct="1">
+              <a:lnSpc>
+                <a:spcPct val="90000"/>
+              </a:lnSpc>
+              <a:spcBef>
+                <a:spcPct val="0"/>
+              </a:spcBef>
+              <a:buNone/>
+              <a:defRPr sz="4400" kern="1200">
+                <a:solidFill>
+                  <a:schemeClr val="tx1"/>
+                </a:solidFill>
+                <a:latin typeface="+mj-lt"/>
+                <a:ea typeface="+mj-ea"/>
+                <a:cs typeface="+mj-cs"/>
+              </a:defRPr>
+            </a:lvl1pPr>
+          </a:lstStyle>
+          <a:p>
+            <a:pPr algn="ctr"/>
+            <a:r>
+              <a:rPr lang="en-US" sz="2000" b="1" dirty="0"/>
+              <a:t>WSU</a:t>
+            </a:r>
+          </a:p>
+        </p:txBody>
+      </p:sp>
+      <p:sp>
+        <p:nvSpPr>
+          <p:cNvPr id="9" name="Title 1">
+            <a:extLst>
+              <a:ext uri="{FF2B5EF4-FFF2-40B4-BE49-F238E27FC236}">
+                <a16:creationId xmlns:a16="http://schemas.microsoft.com/office/drawing/2014/main" id="{9369CDD8-0AB7-58B2-F81D-105AC408B522}"/>
+              </a:ext>
+            </a:extLst>
+          </p:cNvPr>
+          <p:cNvSpPr>
+            <a:spLocks noGrp="1"/>
+          </p:cNvSpPr>
+          <p:nvPr/>
+        </p:nvSpPr>
+        <p:spPr>
+          <a:xfrm>
+            <a:off x="6306106" y="929605"/>
+            <a:ext cx="5476718" cy="446501"/>
+          </a:xfrm>
+          <a:prstGeom prst="rect">
+            <a:avLst/>
+          </a:prstGeom>
+          <a:solidFill>
+            <a:schemeClr val="accent1"/>
+          </a:solidFill>
+        </p:spPr>
+        <p:txBody>
+          <a:bodyPr vert="horz" lIns="91440" tIns="45720" rIns="91440" bIns="45720" rtlCol="0" anchor="ctr">
+            <a:noAutofit/>
+          </a:bodyPr>
+          <a:lstStyle>
+            <a:lvl1pPr algn="l" defTabSz="914400" rtl="0" eaLnBrk="1" latinLnBrk="0" hangingPunct="1">
+              <a:lnSpc>
+                <a:spcPct val="90000"/>
+              </a:lnSpc>
+              <a:spcBef>
+                <a:spcPct val="0"/>
+              </a:spcBef>
+              <a:buNone/>
+              <a:defRPr sz="4400" kern="1200">
+                <a:solidFill>
+                  <a:schemeClr val="tx1"/>
+                </a:solidFill>
+                <a:latin typeface="+mj-lt"/>
+                <a:ea typeface="+mj-ea"/>
+                <a:cs typeface="+mj-cs"/>
+              </a:defRPr>
+            </a:lvl1pPr>
+          </a:lstStyle>
+          <a:p>
+            <a:pPr algn="ctr"/>
+            <a:r>
+              <a:rPr lang="en-US" sz="2000" b="1" dirty="0"/>
+              <a:t>UF</a:t>
+            </a:r>
+          </a:p>
+        </p:txBody>
+      </p:sp>
+      <p:sp>
+        <p:nvSpPr>
+          <p:cNvPr id="3" name="TextBox 2">
+            <a:extLst>
+              <a:ext uri="{FF2B5EF4-FFF2-40B4-BE49-F238E27FC236}">
+                <a16:creationId xmlns:a16="http://schemas.microsoft.com/office/drawing/2014/main" id="{EBFF92B7-D8FF-6849-5A7A-844A81038CD0}"/>
+              </a:ext>
+            </a:extLst>
+          </p:cNvPr>
+          <p:cNvSpPr txBox="1"/>
+          <p:nvPr/>
+        </p:nvSpPr>
+        <p:spPr>
+          <a:xfrm>
+            <a:off x="486817" y="1699403"/>
+            <a:ext cx="5476718" cy="369332"/>
+          </a:xfrm>
+          <a:prstGeom prst="rect">
+            <a:avLst/>
+          </a:prstGeom>
+          <a:noFill/>
+        </p:spPr>
+        <p:txBody>
+          <a:bodyPr wrap="square" rtlCol="0">
+            <a:spAutoFit/>
+          </a:bodyPr>
+          <a:lstStyle/>
+          <a:p>
+            <a:endParaRPr lang="en-US" dirty="0"/>
+          </a:p>
+        </p:txBody>
+      </p:sp>
+      <p:sp>
+        <p:nvSpPr>
+          <p:cNvPr id="10" name="TextBox 9">
+            <a:extLst>
+              <a:ext uri="{FF2B5EF4-FFF2-40B4-BE49-F238E27FC236}">
+                <a16:creationId xmlns:a16="http://schemas.microsoft.com/office/drawing/2014/main" id="{9171CCEA-A2E2-1384-AF40-7E0F85E99EBA}"/>
+              </a:ext>
+            </a:extLst>
+          </p:cNvPr>
+          <p:cNvSpPr txBox="1"/>
+          <p:nvPr/>
+        </p:nvSpPr>
+        <p:spPr>
+          <a:xfrm>
+            <a:off x="409179" y="1639019"/>
+            <a:ext cx="5476718" cy="369332"/>
+          </a:xfrm>
+          <a:prstGeom prst="rect">
+            <a:avLst/>
+          </a:prstGeom>
+          <a:noFill/>
+        </p:spPr>
+        <p:txBody>
+          <a:bodyPr wrap="square" rtlCol="0">
+            <a:spAutoFit/>
+          </a:bodyPr>
+          <a:lstStyle/>
+          <a:p>
+            <a:endParaRPr lang="en-US" dirty="0"/>
+          </a:p>
+        </p:txBody>
+      </p:sp>
+      <p:sp>
+        <p:nvSpPr>
+          <p:cNvPr id="14" name="TextBox 13">
+            <a:extLst>
+              <a:ext uri="{FF2B5EF4-FFF2-40B4-BE49-F238E27FC236}">
+                <a16:creationId xmlns:a16="http://schemas.microsoft.com/office/drawing/2014/main" id="{13A4863B-4F5C-2D06-BDCF-ADAF10405047}"/>
+              </a:ext>
+            </a:extLst>
+          </p:cNvPr>
+          <p:cNvSpPr txBox="1"/>
+          <p:nvPr/>
+        </p:nvSpPr>
+        <p:spPr>
+          <a:xfrm>
+            <a:off x="409178" y="1556265"/>
+            <a:ext cx="5476718" cy="1569660"/>
+          </a:xfrm>
+          <a:prstGeom prst="rect">
+            <a:avLst/>
+          </a:prstGeom>
+          <a:noFill/>
+        </p:spPr>
+        <p:txBody>
+          <a:bodyPr wrap="square" rtlCol="0">
+            <a:spAutoFit/>
+          </a:bodyPr>
+          <a:lstStyle/>
+          <a:p>
+            <a:pPr marL="342900" indent="-342900">
+              <a:buFont typeface="+mj-lt"/>
+              <a:buAutoNum type="arabicPeriod"/>
+            </a:pPr>
+            <a:r>
+              <a:rPr lang="en-US" sz="1600" dirty="0"/>
+              <a:t>Come up with temporal logic constraints for the Single house off-grid problem. (Use the paper and the lecture notes provided by Dr. Fu).</a:t>
+            </a:r>
+          </a:p>
+          <a:p>
+            <a:pPr marL="342900" indent="-342900">
+              <a:buFont typeface="+mj-lt"/>
+              <a:buAutoNum type="arabicPeriod"/>
+            </a:pPr>
+            <a:r>
+              <a:rPr lang="en-US" sz="1600" dirty="0"/>
+              <a:t>Involve </a:t>
+            </a:r>
+            <a:r>
+              <a:rPr lang="en-US" sz="1600" dirty="0" err="1"/>
+              <a:t>Athul</a:t>
+            </a:r>
+            <a:r>
+              <a:rPr lang="en-US" sz="1600" dirty="0"/>
+              <a:t> in the meetings, as we can model the aggregator-device incentive model </a:t>
+            </a:r>
+            <a:r>
+              <a:rPr lang="en-US" sz="1600"/>
+              <a:t>control framework.</a:t>
+            </a:r>
+            <a:endParaRPr lang="en-US" sz="1600" dirty="0"/>
+          </a:p>
+          <a:p>
+            <a:pPr marL="342900" indent="-342900">
+              <a:buFont typeface="+mj-lt"/>
+              <a:buAutoNum type="arabicPeriod"/>
+            </a:pPr>
+            <a:endParaRPr lang="en-US" sz="1600" dirty="0"/>
+          </a:p>
+        </p:txBody>
+      </p:sp>
+      <p:sp>
+        <p:nvSpPr>
+          <p:cNvPr id="16" name="TextBox 15">
+            <a:extLst>
+              <a:ext uri="{FF2B5EF4-FFF2-40B4-BE49-F238E27FC236}">
+                <a16:creationId xmlns:a16="http://schemas.microsoft.com/office/drawing/2014/main" id="{4B692D78-B2DB-B076-E75F-24A1ADED78EC}"/>
+              </a:ext>
+            </a:extLst>
+          </p:cNvPr>
+          <p:cNvSpPr txBox="1"/>
+          <p:nvPr/>
+        </p:nvSpPr>
+        <p:spPr>
+          <a:xfrm>
+            <a:off x="6306106" y="1556265"/>
+            <a:ext cx="5476718" cy="1200329"/>
+          </a:xfrm>
+          <a:prstGeom prst="rect">
+            <a:avLst/>
+          </a:prstGeom>
+          <a:noFill/>
+        </p:spPr>
+        <p:txBody>
+          <a:bodyPr wrap="square" rtlCol="0">
+            <a:spAutoFit/>
+          </a:bodyPr>
+          <a:lstStyle/>
+          <a:p>
+            <a:pPr marL="342900" indent="-342900">
+              <a:buFont typeface="+mj-lt"/>
+              <a:buAutoNum type="arabicPeriod"/>
+            </a:pPr>
+            <a:r>
+              <a:rPr lang="en-US" dirty="0"/>
+              <a:t>Working on the single house off-grid problem with temporal logic constraints.</a:t>
+            </a:r>
+          </a:p>
+          <a:p>
+            <a:pPr marL="342900" indent="-342900">
+              <a:buFont typeface="+mj-lt"/>
+              <a:buAutoNum type="arabicPeriod"/>
+            </a:pPr>
+            <a:r>
+              <a:rPr lang="en-US" dirty="0"/>
+              <a:t>Have a Leader-follower RL algorithm which can be utilized for Aggregator-Device control framework</a:t>
+            </a:r>
+          </a:p>
+        </p:txBody>
+      </p:sp>
+    </p:spTree>
+    <p:extLst>
+      <p:ext uri="{BB962C8B-B14F-4D97-AF65-F5344CB8AC3E}">
+        <p14:creationId xmlns:p14="http://schemas.microsoft.com/office/powerpoint/2010/main" val="2466310084"/>
       </p:ext>
     </p:extLst>
   </p:cSld>
